--- a/Project 3 - Ling Chong Gold.pptx
+++ b/Project 3 - Ling Chong Gold.pptx
@@ -808,7 +808,7 @@
               </a:spcAft>
               <a:buNone/>
             </a:pPr>
-            <a:endParaRPr/>
+            <a:endParaRPr dirty="0"/>
           </a:p>
         </p:txBody>
       </p:sp>
@@ -1488,7 +1488,7 @@
             </a:pPr>
             <a:r>
               <a:rPr lang="en-US" dirty="0"/>
-              <a:t>192 True Positive</a:t>
+              <a:t>192 True Negative</a:t>
             </a:r>
           </a:p>
           <a:p>
@@ -1530,8 +1530,13 @@
             </a:pPr>
             <a:r>
               <a:rPr lang="en-US" dirty="0"/>
-              <a:t>185 True Negative</a:t>
-            </a:r>
+              <a:t>185 </a:t>
+            </a:r>
+            <a:r>
+              <a:rPr lang="en-US"/>
+              <a:t>True Positive</a:t>
+            </a:r>
+            <a:endParaRPr lang="en-US" dirty="0"/>
           </a:p>
           <a:p>
             <a:pPr marL="171450" marR="0" lvl="0" indent="-171450" algn="l" defTabSz="914400" rtl="0" eaLnBrk="1" fontAlgn="auto" latinLnBrk="0" hangingPunct="1">

--- a/Project 3 - Ling Chong Gold.pptx
+++ b/Project 3 - Ling Chong Gold.pptx
@@ -2672,26 +2672,6 @@
             <a:noAutofit/>
           </a:bodyPr>
           <a:lstStyle/>
-          <a:p>
-            <a:pPr marL="171450" lvl="0" indent="-171450" algn="l" rtl="0">
-              <a:spcBef>
-                <a:spcPts val="0"/>
-              </a:spcBef>
-              <a:spcAft>
-                <a:spcPts val="0"/>
-              </a:spcAft>
-            </a:pPr>
-            <a:endParaRPr lang="en-US" sz="1100" b="0" i="0" u="none" strike="noStrike" cap="none" dirty="0">
-              <a:solidFill>
-                <a:srgbClr val="000000"/>
-              </a:solidFill>
-              <a:effectLst/>
-              <a:latin typeface="Arial"/>
-              <a:ea typeface="Arial"/>
-              <a:cs typeface="Arial"/>
-              <a:sym typeface="Arial"/>
-            </a:endParaRPr>
-          </a:p>
           <a:p>
             <a:pPr marL="171450" lvl="0" indent="-171450" algn="l" rtl="0">
               <a:spcBef>
@@ -9256,7 +9236,7 @@
           <a:p>
             <a:r>
               <a:rPr lang="en-US" dirty="0"/>
-              <a:t>A post from learn python appearing in learn programming subreddit is reasonable as python is a programming language while the vice verse is not</a:t>
+              <a:t>A post from learn python appearing in learn programming subreddit is reasonable as python is a programming language while the vice versa is not</a:t>
             </a:r>
           </a:p>
           <a:p>
